--- a/chinese/愛是 no pinyin.pptx
+++ b/chinese/愛是 no pinyin.pptx
@@ -246,7 +246,7 @@
             <a:fld id="{B7489BD8-9B8D-4B0C-AE09-A86BD8EF5C7D}" type="datetimeFigureOut">
               <a:rPr lang="en-US" smtClean="0"/>
               <a:pPr/>
-              <a:t>5/10/2019</a:t>
+              <a:t>5/17/2019</a:t>
             </a:fld>
             <a:endParaRPr lang="en-US"/>
           </a:p>
@@ -298,7 +298,7 @@
     </p:spTree>
     <p:extLst>
       <p:ext uri="{BB962C8B-B14F-4D97-AF65-F5344CB8AC3E}">
-        <p14:creationId xmlns="" xmlns:p14="http://schemas.microsoft.com/office/powerpoint/2010/main" val="688338078"/>
+        <p14:creationId xmlns:p14="http://schemas.microsoft.com/office/powerpoint/2010/main" xmlns="" val="688338078"/>
       </p:ext>
     </p:extLst>
   </p:cSld>
@@ -418,7 +418,7 @@
             <a:fld id="{B7489BD8-9B8D-4B0C-AE09-A86BD8EF5C7D}" type="datetimeFigureOut">
               <a:rPr lang="en-US" smtClean="0"/>
               <a:pPr/>
-              <a:t>5/10/2019</a:t>
+              <a:t>5/17/2019</a:t>
             </a:fld>
             <a:endParaRPr lang="en-US"/>
           </a:p>
@@ -470,7 +470,7 @@
     </p:spTree>
     <p:extLst>
       <p:ext uri="{BB962C8B-B14F-4D97-AF65-F5344CB8AC3E}">
-        <p14:creationId xmlns="" xmlns:p14="http://schemas.microsoft.com/office/powerpoint/2010/main" val="3119071765"/>
+        <p14:creationId xmlns:p14="http://schemas.microsoft.com/office/powerpoint/2010/main" xmlns="" val="3119071765"/>
       </p:ext>
     </p:extLst>
   </p:cSld>
@@ -600,7 +600,7 @@
             <a:fld id="{B7489BD8-9B8D-4B0C-AE09-A86BD8EF5C7D}" type="datetimeFigureOut">
               <a:rPr lang="en-US" smtClean="0"/>
               <a:pPr/>
-              <a:t>5/10/2019</a:t>
+              <a:t>5/17/2019</a:t>
             </a:fld>
             <a:endParaRPr lang="en-US"/>
           </a:p>
@@ -652,7 +652,7 @@
     </p:spTree>
     <p:extLst>
       <p:ext uri="{BB962C8B-B14F-4D97-AF65-F5344CB8AC3E}">
-        <p14:creationId xmlns="" xmlns:p14="http://schemas.microsoft.com/office/powerpoint/2010/main" val="833206719"/>
+        <p14:creationId xmlns:p14="http://schemas.microsoft.com/office/powerpoint/2010/main" xmlns="" val="833206719"/>
       </p:ext>
     </p:extLst>
   </p:cSld>
@@ -772,7 +772,7 @@
             <a:fld id="{B7489BD8-9B8D-4B0C-AE09-A86BD8EF5C7D}" type="datetimeFigureOut">
               <a:rPr lang="en-US" smtClean="0"/>
               <a:pPr/>
-              <a:t>5/10/2019</a:t>
+              <a:t>5/17/2019</a:t>
             </a:fld>
             <a:endParaRPr lang="en-US"/>
           </a:p>
@@ -824,7 +824,7 @@
     </p:spTree>
     <p:extLst>
       <p:ext uri="{BB962C8B-B14F-4D97-AF65-F5344CB8AC3E}">
-        <p14:creationId xmlns="" xmlns:p14="http://schemas.microsoft.com/office/powerpoint/2010/main" val="3865291761"/>
+        <p14:creationId xmlns:p14="http://schemas.microsoft.com/office/powerpoint/2010/main" xmlns="" val="3865291761"/>
       </p:ext>
     </p:extLst>
   </p:cSld>
@@ -1020,7 +1020,7 @@
             <a:fld id="{B7489BD8-9B8D-4B0C-AE09-A86BD8EF5C7D}" type="datetimeFigureOut">
               <a:rPr lang="en-US" smtClean="0"/>
               <a:pPr/>
-              <a:t>5/10/2019</a:t>
+              <a:t>5/17/2019</a:t>
             </a:fld>
             <a:endParaRPr lang="en-US"/>
           </a:p>
@@ -1072,7 +1072,7 @@
     </p:spTree>
     <p:extLst>
       <p:ext uri="{BB962C8B-B14F-4D97-AF65-F5344CB8AC3E}">
-        <p14:creationId xmlns="" xmlns:p14="http://schemas.microsoft.com/office/powerpoint/2010/main" val="3285349600"/>
+        <p14:creationId xmlns:p14="http://schemas.microsoft.com/office/powerpoint/2010/main" xmlns="" val="3285349600"/>
       </p:ext>
     </p:extLst>
   </p:cSld>
@@ -1254,7 +1254,7 @@
             <a:fld id="{B7489BD8-9B8D-4B0C-AE09-A86BD8EF5C7D}" type="datetimeFigureOut">
               <a:rPr lang="en-US" smtClean="0"/>
               <a:pPr/>
-              <a:t>5/10/2019</a:t>
+              <a:t>5/17/2019</a:t>
             </a:fld>
             <a:endParaRPr lang="en-US"/>
           </a:p>
@@ -1306,7 +1306,7 @@
     </p:spTree>
     <p:extLst>
       <p:ext uri="{BB962C8B-B14F-4D97-AF65-F5344CB8AC3E}">
-        <p14:creationId xmlns="" xmlns:p14="http://schemas.microsoft.com/office/powerpoint/2010/main" val="2991819010"/>
+        <p14:creationId xmlns:p14="http://schemas.microsoft.com/office/powerpoint/2010/main" xmlns="" val="2991819010"/>
       </p:ext>
     </p:extLst>
   </p:cSld>
@@ -1623,7 +1623,7 @@
             <a:fld id="{B7489BD8-9B8D-4B0C-AE09-A86BD8EF5C7D}" type="datetimeFigureOut">
               <a:rPr lang="en-US" smtClean="0"/>
               <a:pPr/>
-              <a:t>5/10/2019</a:t>
+              <a:t>5/17/2019</a:t>
             </a:fld>
             <a:endParaRPr lang="en-US"/>
           </a:p>
@@ -1675,7 +1675,7 @@
     </p:spTree>
     <p:extLst>
       <p:ext uri="{BB962C8B-B14F-4D97-AF65-F5344CB8AC3E}">
-        <p14:creationId xmlns="" xmlns:p14="http://schemas.microsoft.com/office/powerpoint/2010/main" val="3144907465"/>
+        <p14:creationId xmlns:p14="http://schemas.microsoft.com/office/powerpoint/2010/main" xmlns="" val="3144907465"/>
       </p:ext>
     </p:extLst>
   </p:cSld>
@@ -1743,7 +1743,7 @@
             <a:fld id="{B7489BD8-9B8D-4B0C-AE09-A86BD8EF5C7D}" type="datetimeFigureOut">
               <a:rPr lang="en-US" smtClean="0"/>
               <a:pPr/>
-              <a:t>5/10/2019</a:t>
+              <a:t>5/17/2019</a:t>
             </a:fld>
             <a:endParaRPr lang="en-US"/>
           </a:p>
@@ -1795,7 +1795,7 @@
     </p:spTree>
     <p:extLst>
       <p:ext uri="{BB962C8B-B14F-4D97-AF65-F5344CB8AC3E}">
-        <p14:creationId xmlns="" xmlns:p14="http://schemas.microsoft.com/office/powerpoint/2010/main" val="1515126355"/>
+        <p14:creationId xmlns:p14="http://schemas.microsoft.com/office/powerpoint/2010/main" xmlns="" val="1515126355"/>
       </p:ext>
     </p:extLst>
   </p:cSld>
@@ -1840,7 +1840,7 @@
             <a:fld id="{B7489BD8-9B8D-4B0C-AE09-A86BD8EF5C7D}" type="datetimeFigureOut">
               <a:rPr lang="en-US" smtClean="0"/>
               <a:pPr/>
-              <a:t>5/10/2019</a:t>
+              <a:t>5/17/2019</a:t>
             </a:fld>
             <a:endParaRPr lang="en-US"/>
           </a:p>
@@ -1892,7 +1892,7 @@
     </p:spTree>
     <p:extLst>
       <p:ext uri="{BB962C8B-B14F-4D97-AF65-F5344CB8AC3E}">
-        <p14:creationId xmlns="" xmlns:p14="http://schemas.microsoft.com/office/powerpoint/2010/main" val="884157789"/>
+        <p14:creationId xmlns:p14="http://schemas.microsoft.com/office/powerpoint/2010/main" xmlns="" val="884157789"/>
       </p:ext>
     </p:extLst>
   </p:cSld>
@@ -2119,7 +2119,7 @@
             <a:fld id="{B7489BD8-9B8D-4B0C-AE09-A86BD8EF5C7D}" type="datetimeFigureOut">
               <a:rPr lang="en-US" smtClean="0"/>
               <a:pPr/>
-              <a:t>5/10/2019</a:t>
+              <a:t>5/17/2019</a:t>
             </a:fld>
             <a:endParaRPr lang="en-US"/>
           </a:p>
@@ -2171,7 +2171,7 @@
     </p:spTree>
     <p:extLst>
       <p:ext uri="{BB962C8B-B14F-4D97-AF65-F5344CB8AC3E}">
-        <p14:creationId xmlns="" xmlns:p14="http://schemas.microsoft.com/office/powerpoint/2010/main" val="3521788627"/>
+        <p14:creationId xmlns:p14="http://schemas.microsoft.com/office/powerpoint/2010/main" xmlns="" val="3521788627"/>
       </p:ext>
     </p:extLst>
   </p:cSld>
@@ -2374,7 +2374,7 @@
             <a:fld id="{B7489BD8-9B8D-4B0C-AE09-A86BD8EF5C7D}" type="datetimeFigureOut">
               <a:rPr lang="en-US" smtClean="0"/>
               <a:pPr/>
-              <a:t>5/10/2019</a:t>
+              <a:t>5/17/2019</a:t>
             </a:fld>
             <a:endParaRPr lang="en-US"/>
           </a:p>
@@ -2426,7 +2426,7 @@
     </p:spTree>
     <p:extLst>
       <p:ext uri="{BB962C8B-B14F-4D97-AF65-F5344CB8AC3E}">
-        <p14:creationId xmlns="" xmlns:p14="http://schemas.microsoft.com/office/powerpoint/2010/main" val="1830268571"/>
+        <p14:creationId xmlns:p14="http://schemas.microsoft.com/office/powerpoint/2010/main" xmlns="" val="1830268571"/>
       </p:ext>
     </p:extLst>
   </p:cSld>
@@ -2589,7 +2589,7 @@
             <a:fld id="{B7489BD8-9B8D-4B0C-AE09-A86BD8EF5C7D}" type="datetimeFigureOut">
               <a:rPr lang="en-US" smtClean="0"/>
               <a:pPr/>
-              <a:t>5/10/2019</a:t>
+              <a:t>5/17/2019</a:t>
             </a:fld>
             <a:endParaRPr lang="en-US"/>
           </a:p>
@@ -2677,7 +2677,7 @@
     </p:spTree>
     <p:extLst>
       <p:ext uri="{BB962C8B-B14F-4D97-AF65-F5344CB8AC3E}">
-        <p14:creationId xmlns="" xmlns:p14="http://schemas.microsoft.com/office/powerpoint/2010/main" val="2931913577"/>
+        <p14:creationId xmlns:p14="http://schemas.microsoft.com/office/powerpoint/2010/main" xmlns="" val="2931913577"/>
       </p:ext>
     </p:extLst>
   </p:cSld>
@@ -3028,7 +3028,7 @@
           <a:blip r:embed="rId2">
             <a:extLst>
               <a:ext uri="{28A0092B-C50C-407E-A947-70E740481C1C}">
-                <a14:useLocalDpi xmlns="" xmlns:a14="http://schemas.microsoft.com/office/drawing/2010/main" val="0"/>
+                <a14:useLocalDpi xmlns:a14="http://schemas.microsoft.com/office/drawing/2010/main" xmlns="" val="0"/>
               </a:ext>
             </a:extLst>
           </a:blip>
@@ -3122,18 +3122,6 @@
               <a:rPr lang="en-US" sz="4000" dirty="0" smtClean="0"/>
               <a:t>       </a:t>
             </a:r>
-            <a:r>
-              <a:rPr lang="en-US" sz="4000" dirty="0" err="1" smtClean="0"/>
-              <a:t>Ài</a:t>
-            </a:r>
-            <a:r>
-              <a:rPr lang="en-US" sz="4000" dirty="0" smtClean="0"/>
-              <a:t>        </a:t>
-            </a:r>
-            <a:r>
-              <a:rPr lang="en-US" sz="4000" dirty="0" err="1" smtClean="0"/>
-              <a:t>shì</a:t>
-            </a:r>
             <a:endParaRPr lang="en-US" sz="4000" dirty="0"/>
           </a:p>
         </p:txBody>
@@ -3141,7 +3129,7 @@
     </p:spTree>
     <p:extLst>
       <p:ext uri="{BB962C8B-B14F-4D97-AF65-F5344CB8AC3E}">
-        <p14:creationId xmlns="" xmlns:p14="http://schemas.microsoft.com/office/powerpoint/2010/main" val="2197934797"/>
+        <p14:creationId xmlns:p14="http://schemas.microsoft.com/office/powerpoint/2010/main" xmlns="" val="2197934797"/>
       </p:ext>
     </p:extLst>
   </p:cSld>
@@ -3208,7 +3196,7 @@
           <a:blip r:embed="rId2">
             <a:extLst>
               <a:ext uri="{28A0092B-C50C-407E-A947-70E740481C1C}">
-                <a14:useLocalDpi xmlns="" xmlns:a14="http://schemas.microsoft.com/office/drawing/2010/main" val="0"/>
+                <a14:useLocalDpi xmlns:a14="http://schemas.microsoft.com/office/drawing/2010/main" xmlns="" val="0"/>
               </a:ext>
             </a:extLst>
           </a:blip>
@@ -3742,7 +3730,7 @@
     </p:spTree>
     <p:extLst>
       <p:ext uri="{BB962C8B-B14F-4D97-AF65-F5344CB8AC3E}">
-        <p14:creationId xmlns="" xmlns:p14="http://schemas.microsoft.com/office/powerpoint/2010/main" val="899809492"/>
+        <p14:creationId xmlns:p14="http://schemas.microsoft.com/office/powerpoint/2010/main" xmlns="" val="899809492"/>
       </p:ext>
     </p:extLst>
   </p:cSld>
@@ -3809,7 +3797,7 @@
           <a:blip r:embed="rId2">
             <a:extLst>
               <a:ext uri="{28A0092B-C50C-407E-A947-70E740481C1C}">
-                <a14:useLocalDpi xmlns="" xmlns:a14="http://schemas.microsoft.com/office/drawing/2010/main" val="0"/>
+                <a14:useLocalDpi xmlns:a14="http://schemas.microsoft.com/office/drawing/2010/main" xmlns="" val="0"/>
               </a:ext>
             </a:extLst>
           </a:blip>
@@ -4087,7 +4075,7 @@
     </p:spTree>
     <p:extLst>
       <p:ext uri="{BB962C8B-B14F-4D97-AF65-F5344CB8AC3E}">
-        <p14:creationId xmlns="" xmlns:p14="http://schemas.microsoft.com/office/powerpoint/2010/main" val="1530191124"/>
+        <p14:creationId xmlns:p14="http://schemas.microsoft.com/office/powerpoint/2010/main" xmlns="" val="1530191124"/>
       </p:ext>
     </p:extLst>
   </p:cSld>
@@ -4154,7 +4142,7 @@
           <a:blip r:embed="rId2">
             <a:extLst>
               <a:ext uri="{28A0092B-C50C-407E-A947-70E740481C1C}">
-                <a14:useLocalDpi xmlns="" xmlns:a14="http://schemas.microsoft.com/office/drawing/2010/main" val="0"/>
+                <a14:useLocalDpi xmlns:a14="http://schemas.microsoft.com/office/drawing/2010/main" xmlns="" val="0"/>
               </a:ext>
             </a:extLst>
           </a:blip>
@@ -4263,44 +4251,6 @@
       </p:sp>
       <p:sp>
         <p:nvSpPr>
-          <p:cNvPr id="9" name="文字方塊 8"/>
-          <p:cNvSpPr txBox="1"/>
-          <p:nvPr/>
-        </p:nvSpPr>
-        <p:spPr>
-          <a:xfrm>
-            <a:off x="4902543" y="4089678"/>
-            <a:ext cx="1140944" cy="369332"/>
-          </a:xfrm>
-          <a:prstGeom prst="rect">
-            <a:avLst/>
-          </a:prstGeom>
-          <a:noFill/>
-        </p:spPr>
-        <p:txBody>
-          <a:bodyPr wrap="square" rtlCol="0">
-            <a:spAutoFit/>
-          </a:bodyPr>
-          <a:lstStyle/>
-          <a:p>
-            <a:r>
-              <a:rPr lang="en-US" dirty="0" err="1" smtClean="0"/>
-              <a:t>Pàn</a:t>
-            </a:r>
-            <a:r>
-              <a:rPr lang="en-US" dirty="0" smtClean="0"/>
-              <a:t> </a:t>
-            </a:r>
-            <a:r>
-              <a:rPr lang="en-US" dirty="0" err="1" smtClean="0"/>
-              <a:t>wàng</a:t>
-            </a:r>
-            <a:endParaRPr lang="en-US" dirty="0"/>
-          </a:p>
-        </p:txBody>
-      </p:sp>
-      <p:sp>
-        <p:nvSpPr>
           <p:cNvPr id="10" name="文字方塊 9"/>
           <p:cNvSpPr txBox="1"/>
           <p:nvPr/>
@@ -4347,44 +4297,6 @@
       </p:sp>
       <p:sp>
         <p:nvSpPr>
-          <p:cNvPr id="11" name="文字方塊 10"/>
-          <p:cNvSpPr txBox="1"/>
-          <p:nvPr/>
-        </p:nvSpPr>
-        <p:spPr>
-          <a:xfrm>
-            <a:off x="6790550" y="4071265"/>
-            <a:ext cx="1154328" cy="369332"/>
-          </a:xfrm>
-          <a:prstGeom prst="rect">
-            <a:avLst/>
-          </a:prstGeom>
-          <a:noFill/>
-        </p:spPr>
-        <p:txBody>
-          <a:bodyPr wrap="square" rtlCol="0">
-            <a:spAutoFit/>
-          </a:bodyPr>
-          <a:lstStyle/>
-          <a:p>
-            <a:r>
-              <a:rPr lang="en-US" dirty="0" err="1" smtClean="0"/>
-              <a:t>Chǎng</a:t>
-            </a:r>
-            <a:r>
-              <a:rPr lang="en-US" dirty="0" smtClean="0"/>
-              <a:t> </a:t>
-            </a:r>
-            <a:r>
-              <a:rPr lang="en-US" dirty="0" err="1" smtClean="0"/>
-              <a:t>kāi</a:t>
-            </a:r>
-            <a:endParaRPr lang="en-US" dirty="0"/>
-          </a:p>
-        </p:txBody>
-      </p:sp>
-      <p:sp>
-        <p:nvSpPr>
           <p:cNvPr id="12" name="文字方塊 11"/>
           <p:cNvSpPr txBox="1"/>
           <p:nvPr/>
@@ -4432,7 +4344,7 @@
     </p:spTree>
     <p:extLst>
       <p:ext uri="{BB962C8B-B14F-4D97-AF65-F5344CB8AC3E}">
-        <p14:creationId xmlns="" xmlns:p14="http://schemas.microsoft.com/office/powerpoint/2010/main" val="2250282485"/>
+        <p14:creationId xmlns:p14="http://schemas.microsoft.com/office/powerpoint/2010/main" xmlns="" val="2250282485"/>
       </p:ext>
     </p:extLst>
   </p:cSld>
@@ -4499,7 +4411,7 @@
           <a:blip r:embed="rId2">
             <a:extLst>
               <a:ext uri="{28A0092B-C50C-407E-A947-70E740481C1C}">
-                <a14:useLocalDpi xmlns="" xmlns:a14="http://schemas.microsoft.com/office/drawing/2010/main" val="0"/>
+                <a14:useLocalDpi xmlns:a14="http://schemas.microsoft.com/office/drawing/2010/main" xmlns="" val="0"/>
               </a:ext>
             </a:extLst>
           </a:blip>
@@ -4523,7 +4435,7 @@
         <p:spPr>
           <a:xfrm>
             <a:off x="4316628" y="1628507"/>
-            <a:ext cx="6318421" cy="3662541"/>
+            <a:ext cx="6318421" cy="3600986"/>
           </a:xfrm>
           <a:prstGeom prst="rect">
             <a:avLst/>
@@ -4572,55 +4484,7 @@
           </a:p>
           <a:p>
             <a:r>
-              <a:rPr lang="en-US" sz="2000" dirty="0" smtClean="0"/>
-              <a:t>  </a:t>
-            </a:r>
-            <a:r>
-              <a:rPr lang="en-US" sz="2000" dirty="0" err="1" smtClean="0"/>
-              <a:t>Ài</a:t>
-            </a:r>
-            <a:r>
-              <a:rPr lang="en-US" sz="2000" dirty="0" smtClean="0"/>
-              <a:t>   </a:t>
-            </a:r>
-            <a:r>
-              <a:rPr lang="en-US" sz="2000" dirty="0" err="1" smtClean="0"/>
-              <a:t>shì</a:t>
-            </a:r>
-            <a:r>
-              <a:rPr lang="en-US" sz="2000" dirty="0" smtClean="0"/>
-              <a:t>  </a:t>
-            </a:r>
-            <a:r>
-              <a:rPr lang="en-US" sz="2000" dirty="0" err="1" smtClean="0"/>
-              <a:t>héng</a:t>
-            </a:r>
-            <a:r>
-              <a:rPr lang="en-US" sz="2000" dirty="0" smtClean="0"/>
-              <a:t> </a:t>
-            </a:r>
-            <a:r>
-              <a:rPr lang="en-US" sz="2000" dirty="0" err="1" smtClean="0"/>
-              <a:t>jiǔ</a:t>
-            </a:r>
-            <a:r>
-              <a:rPr lang="en-US" sz="2000" dirty="0" smtClean="0"/>
-              <a:t>   </a:t>
-            </a:r>
-            <a:r>
-              <a:rPr lang="en-US" sz="2000" dirty="0" err="1" smtClean="0"/>
-              <a:t>rěn</a:t>
-            </a:r>
-            <a:r>
-              <a:rPr lang="en-US" sz="2000" dirty="0" smtClean="0"/>
-              <a:t> </a:t>
-            </a:r>
-            <a:r>
-              <a:rPr lang="en-US" sz="2000" dirty="0" err="1" smtClean="0"/>
-              <a:t>nài</a:t>
-            </a:r>
-            <a:r>
-              <a:rPr lang="zh-TW" altLang="en-US" sz="3600" b="1" dirty="0" smtClean="0">
+              <a:rPr lang="zh-TW" altLang="en-US" sz="2000" b="1" dirty="0" smtClean="0">
                 <a:effectLst>
                   <a:outerShdw blurRad="38100" dist="38100" dir="2700000" algn="tl">
                     <a:srgbClr val="000000">
@@ -4632,7 +4496,7 @@
               <a:t/>
             </a:r>
             <a:br>
-              <a:rPr lang="zh-TW" altLang="en-US" sz="3600" b="1" dirty="0" smtClean="0">
+              <a:rPr lang="zh-TW" altLang="en-US" sz="2000" b="1" dirty="0" smtClean="0">
                 <a:effectLst>
                   <a:outerShdw blurRad="38100" dist="38100" dir="2700000" algn="tl">
                     <a:srgbClr val="000000">
@@ -4678,59 +4542,7 @@
           </a:p>
           <a:p>
             <a:r>
-              <a:rPr lang="en-US" sz="2000" dirty="0" smtClean="0"/>
-              <a:t>  </a:t>
-            </a:r>
-            <a:r>
-              <a:rPr lang="en-US" sz="2000" dirty="0" err="1" smtClean="0"/>
-              <a:t>ài</a:t>
-            </a:r>
-            <a:r>
-              <a:rPr lang="en-US" sz="2000" dirty="0" smtClean="0"/>
-              <a:t>    </a:t>
-            </a:r>
-            <a:r>
-              <a:rPr lang="en-US" sz="2000" dirty="0" err="1"/>
-              <a:t>shì</a:t>
-            </a:r>
-            <a:r>
-              <a:rPr lang="en-US" sz="2000" dirty="0"/>
-              <a:t> </a:t>
-            </a:r>
-            <a:r>
-              <a:rPr lang="en-US" sz="2000" dirty="0" smtClean="0"/>
-              <a:t> </a:t>
-            </a:r>
-            <a:r>
-              <a:rPr lang="en-US" sz="2000" dirty="0" err="1" smtClean="0"/>
-              <a:t>yòu</a:t>
-            </a:r>
-            <a:r>
-              <a:rPr lang="en-US" sz="2000" dirty="0" smtClean="0"/>
-              <a:t>  </a:t>
-            </a:r>
-            <a:r>
-              <a:rPr lang="en-US" sz="2000" dirty="0" err="1" smtClean="0"/>
-              <a:t>yǒu</a:t>
-            </a:r>
-            <a:r>
-              <a:rPr lang="en-US" sz="2000" dirty="0" smtClean="0"/>
-              <a:t>  </a:t>
-            </a:r>
-            <a:r>
-              <a:rPr lang="en-US" sz="2000" dirty="0" err="1" smtClean="0"/>
-              <a:t>ēn</a:t>
-            </a:r>
-            <a:r>
-              <a:rPr lang="en-US" sz="2000" dirty="0" smtClean="0"/>
-              <a:t>    </a:t>
-            </a:r>
-            <a:r>
-              <a:rPr lang="en-US" sz="2000" dirty="0" err="1"/>
-              <a:t>cí</a:t>
-            </a:r>
-            <a:r>
-              <a:rPr lang="zh-TW" altLang="en-US" sz="3600" b="1" dirty="0" smtClean="0">
+              <a:rPr lang="zh-TW" altLang="en-US" sz="2000" b="1" dirty="0" smtClean="0">
                 <a:effectLst>
                   <a:outerShdw blurRad="38100" dist="38100" dir="2700000" algn="tl">
                     <a:srgbClr val="000000">
@@ -4742,7 +4554,7 @@
               <a:t/>
             </a:r>
             <a:br>
-              <a:rPr lang="zh-TW" altLang="en-US" sz="3600" b="1" dirty="0" smtClean="0">
+              <a:rPr lang="zh-TW" altLang="en-US" sz="2000" b="1" dirty="0" smtClean="0">
                 <a:effectLst>
                   <a:outerShdw blurRad="38100" dist="38100" dir="2700000" algn="tl">
                     <a:srgbClr val="000000">
@@ -4788,95 +4600,7 @@
           </a:p>
           <a:p>
             <a:r>
-              <a:rPr lang="en-US" sz="2000" dirty="0" smtClean="0"/>
-              <a:t>  </a:t>
-            </a:r>
-            <a:r>
-              <a:rPr lang="en-US" sz="2000" dirty="0" err="1" smtClean="0"/>
-              <a:t>ài</a:t>
-            </a:r>
-            <a:r>
-              <a:rPr lang="en-US" sz="2000" dirty="0" smtClean="0"/>
-              <a:t>    </a:t>
-            </a:r>
-            <a:r>
-              <a:rPr lang="en-US" sz="2000" dirty="0" err="1" smtClean="0"/>
-              <a:t>shì</a:t>
-            </a:r>
-            <a:r>
-              <a:rPr lang="en-US" sz="2000" dirty="0" smtClean="0"/>
-              <a:t>   </a:t>
-            </a:r>
-            <a:r>
-              <a:rPr lang="en-US" sz="2000" dirty="0" err="1" smtClean="0"/>
-              <a:t>bù</a:t>
-            </a:r>
-            <a:r>
-              <a:rPr lang="en-US" sz="2000" dirty="0" smtClean="0"/>
-              <a:t>     </a:t>
-            </a:r>
-            <a:r>
-              <a:rPr lang="en-US" sz="2000" dirty="0" err="1" smtClean="0"/>
-              <a:t>jí</a:t>
-            </a:r>
-            <a:r>
-              <a:rPr lang="en-US" sz="2000" dirty="0" smtClean="0"/>
-              <a:t>     </a:t>
-            </a:r>
-            <a:r>
-              <a:rPr lang="en-US" sz="2000" dirty="0" err="1" smtClean="0"/>
-              <a:t>dù</a:t>
-            </a:r>
-            <a:r>
-              <a:rPr lang="en-US" sz="2000" dirty="0" smtClean="0"/>
-              <a:t>       </a:t>
-            </a:r>
-            <a:r>
-              <a:rPr lang="en-US" sz="2000" dirty="0" err="1" smtClean="0"/>
-              <a:t>bú</a:t>
-            </a:r>
-            <a:r>
-              <a:rPr lang="en-US" sz="2000" dirty="0" smtClean="0"/>
-              <a:t>     </a:t>
-            </a:r>
-            <a:r>
-              <a:rPr lang="en-US" sz="2000" dirty="0" err="1" smtClean="0"/>
-              <a:t>zì</a:t>
-            </a:r>
-            <a:r>
-              <a:rPr lang="en-US" sz="2000" dirty="0" smtClean="0"/>
-              <a:t>   </a:t>
-            </a:r>
-            <a:r>
-              <a:rPr lang="en-US" sz="2000" dirty="0" err="1" smtClean="0"/>
-              <a:t>kuā</a:t>
-            </a:r>
-            <a:r>
-              <a:rPr lang="en-US" sz="2000" dirty="0" smtClean="0"/>
-              <a:t>     </a:t>
-            </a:r>
-            <a:r>
-              <a:rPr lang="en-US" sz="2000" dirty="0" err="1" smtClean="0"/>
-              <a:t>bù</a:t>
-            </a:r>
-            <a:r>
-              <a:rPr lang="en-US" sz="2000" dirty="0" smtClean="0"/>
-              <a:t>  </a:t>
-            </a:r>
-            <a:r>
-              <a:rPr lang="en-US" sz="2000" dirty="0" err="1" smtClean="0"/>
-              <a:t>zhāng</a:t>
-            </a:r>
-            <a:r>
-              <a:rPr lang="en-US" sz="2000" dirty="0" smtClean="0"/>
-              <a:t> </a:t>
-            </a:r>
-            <a:r>
-              <a:rPr lang="en-US" sz="2000" dirty="0" err="1" smtClean="0"/>
-              <a:t>kuáng</a:t>
-            </a:r>
-            <a:r>
-              <a:rPr lang="zh-TW" altLang="en-US" sz="3600" b="1" dirty="0" smtClean="0">
+              <a:rPr lang="zh-TW" altLang="en-US" sz="2000" b="1" dirty="0" smtClean="0">
                 <a:effectLst>
                   <a:outerShdw blurRad="38100" dist="38100" dir="2700000" algn="tl">
                     <a:srgbClr val="000000">
@@ -4888,7 +4612,7 @@
               <a:t/>
             </a:r>
             <a:br>
-              <a:rPr lang="zh-TW" altLang="en-US" sz="3600" b="1" dirty="0" smtClean="0">
+              <a:rPr lang="zh-TW" altLang="en-US" sz="2000" b="1" dirty="0" smtClean="0">
                 <a:effectLst>
                   <a:outerShdw blurRad="38100" dist="38100" dir="2700000" algn="tl">
                     <a:srgbClr val="000000">
@@ -4937,54 +4661,6 @@
               <a:rPr lang="en-US" sz="2000" dirty="0" smtClean="0"/>
               <a:t> </a:t>
             </a:r>
-            <a:r>
-              <a:rPr lang="en-US" sz="2000" dirty="0" err="1"/>
-              <a:t>bú</a:t>
-            </a:r>
-            <a:r>
-              <a:rPr lang="en-US" sz="2000" dirty="0" smtClean="0"/>
-              <a:t>   </a:t>
-            </a:r>
-            <a:r>
-              <a:rPr lang="en-US" sz="2000" dirty="0" err="1" smtClean="0"/>
-              <a:t>zuò</a:t>
-            </a:r>
-            <a:r>
-              <a:rPr lang="en-US" sz="2000" dirty="0" smtClean="0"/>
-              <a:t>  </a:t>
-            </a:r>
-            <a:r>
-              <a:rPr lang="en-US" sz="2000" dirty="0" err="1" smtClean="0"/>
-              <a:t>hài</a:t>
-            </a:r>
-            <a:r>
-              <a:rPr lang="en-US" sz="2000" dirty="0" smtClean="0"/>
-              <a:t>   </a:t>
-            </a:r>
-            <a:r>
-              <a:rPr lang="en-US" sz="2000" dirty="0" err="1" smtClean="0"/>
-              <a:t>xiū</a:t>
-            </a:r>
-            <a:r>
-              <a:rPr lang="en-US" sz="2000" dirty="0" smtClean="0"/>
-              <a:t>  </a:t>
-            </a:r>
-            <a:r>
-              <a:rPr lang="en-US" sz="2000" dirty="0"/>
-              <a:t>de </a:t>
-            </a:r>
-            <a:r>
-              <a:rPr lang="en-US" sz="2000" dirty="0" smtClean="0"/>
-              <a:t>   </a:t>
-            </a:r>
-            <a:r>
-              <a:rPr lang="en-US" sz="2000" dirty="0" err="1" smtClean="0"/>
-              <a:t>shì</a:t>
-            </a:r>
-            <a:r>
-              <a:rPr lang="en-US" sz="2000" dirty="0" smtClean="0"/>
-              <a:t> </a:t>
-            </a:r>
             <a:endParaRPr lang="en-US" sz="2000" b="1" dirty="0">
               <a:effectLst>
                 <a:outerShdw blurRad="38100" dist="38100" dir="2700000" algn="tl">
@@ -5000,7 +4676,7 @@
     </p:spTree>
     <p:extLst>
       <p:ext uri="{BB962C8B-B14F-4D97-AF65-F5344CB8AC3E}">
-        <p14:creationId xmlns="" xmlns:p14="http://schemas.microsoft.com/office/powerpoint/2010/main" val="3617780563"/>
+        <p14:creationId xmlns:p14="http://schemas.microsoft.com/office/powerpoint/2010/main" xmlns="" val="3617780563"/>
       </p:ext>
     </p:extLst>
   </p:cSld>
@@ -5067,7 +4743,7 @@
           <a:blip r:embed="rId2">
             <a:extLst>
               <a:ext uri="{28A0092B-C50C-407E-A947-70E740481C1C}">
-                <a14:useLocalDpi xmlns="" xmlns:a14="http://schemas.microsoft.com/office/drawing/2010/main" val="0"/>
+                <a14:useLocalDpi xmlns:a14="http://schemas.microsoft.com/office/drawing/2010/main" xmlns="" val="0"/>
               </a:ext>
             </a:extLst>
           </a:blip>
@@ -5144,50 +4820,6 @@
               <a:t> </a:t>
             </a:r>
             <a:r>
-              <a:rPr lang="en-US" sz="2000" dirty="0" err="1" smtClean="0"/>
-              <a:t>bù</a:t>
-            </a:r>
-            <a:r>
-              <a:rPr lang="en-US" sz="2000" dirty="0" smtClean="0"/>
-              <a:t>   </a:t>
-            </a:r>
-            <a:r>
-              <a:rPr lang="en-US" sz="2000" dirty="0" err="1" smtClean="0"/>
-              <a:t>qiú</a:t>
-            </a:r>
-            <a:r>
-              <a:rPr lang="en-US" sz="2000" dirty="0" smtClean="0"/>
-              <a:t>    </a:t>
-            </a:r>
-            <a:r>
-              <a:rPr lang="en-US" sz="2000" dirty="0" err="1" smtClean="0"/>
-              <a:t>zì</a:t>
-            </a:r>
-            <a:r>
-              <a:rPr lang="en-US" sz="2000" dirty="0" smtClean="0"/>
-              <a:t>      </a:t>
-            </a:r>
-            <a:r>
-              <a:rPr lang="en-US" sz="2000" dirty="0" err="1" smtClean="0"/>
-              <a:t>jǐ</a:t>
-            </a:r>
-            <a:r>
-              <a:rPr lang="en-US" sz="2000" dirty="0" smtClean="0"/>
-              <a:t>     </a:t>
-            </a:r>
-            <a:r>
-              <a:rPr lang="en-US" sz="2000" dirty="0" err="1" smtClean="0"/>
-              <a:t>yì</a:t>
-            </a:r>
-            <a:r>
-              <a:rPr lang="en-US" sz="2000" dirty="0" smtClean="0"/>
-              <a:t>    </a:t>
-            </a:r>
-            <a:r>
-              <a:rPr lang="en-US" sz="2000" dirty="0" err="1" smtClean="0"/>
-              <a:t>chu</a:t>
-            </a:r>
-            <a:r>
               <a:rPr lang="zh-TW" altLang="en-US" sz="3600" b="1" dirty="0" smtClean="0">
                 <a:effectLst>
                   <a:outerShdw blurRad="38100" dist="38100" dir="2700000" algn="tl">
@@ -5249,51 +4881,6 @@
               <a:rPr lang="en-US" sz="2000" dirty="0" smtClean="0"/>
               <a:t> </a:t>
             </a:r>
-            <a:r>
-              <a:rPr lang="en-US" sz="2000" dirty="0" err="1" smtClean="0"/>
-              <a:t>bù</a:t>
-            </a:r>
-            <a:r>
-              <a:rPr lang="en-US" sz="2000" dirty="0" smtClean="0"/>
-              <a:t>  </a:t>
-            </a:r>
-            <a:r>
-              <a:rPr lang="en-US" sz="2000" dirty="0" err="1" smtClean="0"/>
-              <a:t>qīng</a:t>
-            </a:r>
-            <a:r>
-              <a:rPr lang="en-US" sz="2000" dirty="0" smtClean="0"/>
-              <a:t>   </a:t>
-            </a:r>
-            <a:r>
-              <a:rPr lang="en-US" sz="2000" dirty="0" err="1" smtClean="0"/>
-              <a:t>yì</a:t>
-            </a:r>
-            <a:r>
-              <a:rPr lang="en-US" sz="2000" dirty="0" smtClean="0"/>
-              <a:t>    </a:t>
-            </a:r>
-            <a:r>
-              <a:rPr lang="en-US" altLang="zh-CN" sz="2000" dirty="0" smtClean="0"/>
-              <a:t>de</a:t>
-            </a:r>
-            <a:r>
-              <a:rPr lang="en-US" sz="2000" dirty="0" smtClean="0"/>
-              <a:t>     </a:t>
-            </a:r>
-            <a:r>
-              <a:rPr lang="en-US" sz="2000" dirty="0" err="1" smtClean="0"/>
-              <a:t>fā</a:t>
-            </a:r>
-            <a:r>
-              <a:rPr lang="en-US" sz="2000" dirty="0" smtClean="0"/>
-              <a:t>    </a:t>
-            </a:r>
-            <a:r>
-              <a:rPr lang="en-US" sz="2000" dirty="0" err="1" smtClean="0"/>
-              <a:t>nù</a:t>
-            </a:r>
-            <a:endParaRPr lang="en-US" sz="2000" dirty="0" smtClean="0"/>
           </a:p>
           <a:p>
             <a:r>
@@ -5371,79 +4958,6 @@
               <a:rPr lang="en-US" sz="2000" dirty="0" smtClean="0"/>
               <a:t> </a:t>
             </a:r>
-            <a:r>
-              <a:rPr lang="en-US" sz="2000" dirty="0" err="1" smtClean="0"/>
-              <a:t>bú</a:t>
-            </a:r>
-            <a:r>
-              <a:rPr lang="en-US" sz="2000" dirty="0" smtClean="0"/>
-              <a:t>    </a:t>
-            </a:r>
-            <a:r>
-              <a:rPr lang="en-US" sz="2000" dirty="0" err="1" smtClean="0"/>
-              <a:t>jì</a:t>
-            </a:r>
-            <a:r>
-              <a:rPr lang="en-US" sz="2000" dirty="0" smtClean="0"/>
-              <a:t>    </a:t>
-            </a:r>
-            <a:r>
-              <a:rPr lang="en-US" sz="2000" dirty="0" err="1" smtClean="0"/>
-              <a:t>suàn</a:t>
-            </a:r>
-            <a:r>
-              <a:rPr lang="en-US" sz="2000" dirty="0" smtClean="0"/>
-              <a:t> </a:t>
-            </a:r>
-            <a:r>
-              <a:rPr lang="en-US" sz="2000" dirty="0" err="1"/>
-              <a:t>rén</a:t>
-            </a:r>
-            <a:r>
-              <a:rPr lang="en-US" sz="2000" dirty="0"/>
-              <a:t> </a:t>
-            </a:r>
-            <a:r>
-              <a:rPr lang="en-US" sz="2000" dirty="0" smtClean="0"/>
-              <a:t> de    è         </a:t>
-            </a:r>
-            <a:r>
-              <a:rPr lang="en-US" sz="2000" dirty="0" err="1" smtClean="0"/>
-              <a:t>bù</a:t>
-            </a:r>
-            <a:r>
-              <a:rPr lang="en-US" sz="2000" dirty="0" smtClean="0"/>
-              <a:t>   </a:t>
-            </a:r>
-            <a:r>
-              <a:rPr lang="en-US" sz="2000" dirty="0" err="1" smtClean="0"/>
-              <a:t>xǐ</a:t>
-            </a:r>
-            <a:r>
-              <a:rPr lang="en-US" sz="2000" dirty="0" smtClean="0"/>
-              <a:t>    </a:t>
-            </a:r>
-            <a:r>
-              <a:rPr lang="en-US" sz="2000" dirty="0" err="1" smtClean="0"/>
-              <a:t>huān</a:t>
-            </a:r>
-            <a:r>
-              <a:rPr lang="en-US" sz="2000" dirty="0" smtClean="0"/>
-              <a:t> </a:t>
-            </a:r>
-            <a:r>
-              <a:rPr lang="en-US" sz="2000" dirty="0" err="1"/>
-              <a:t>bú</a:t>
-            </a:r>
-            <a:r>
-              <a:rPr lang="en-US" sz="2000" dirty="0" smtClean="0"/>
-              <a:t>   </a:t>
-            </a:r>
-            <a:r>
-              <a:rPr lang="en-US" sz="2000" dirty="0" err="1" smtClean="0"/>
-              <a:t>yì</a:t>
-            </a:r>
-            <a:endParaRPr lang="en-US" sz="2000" dirty="0" smtClean="0"/>
           </a:p>
           <a:p>
             <a:r>
@@ -5497,50 +5011,6 @@
               <a:rPr lang="en-US" sz="2000" dirty="0" smtClean="0"/>
               <a:t>  </a:t>
             </a:r>
-            <a:r>
-              <a:rPr lang="en-US" sz="2000" dirty="0" err="1" smtClean="0"/>
-              <a:t>ài</a:t>
-            </a:r>
-            <a:r>
-              <a:rPr lang="en-US" sz="2000" dirty="0" smtClean="0"/>
-              <a:t>    </a:t>
-            </a:r>
-            <a:r>
-              <a:rPr lang="en-US" sz="2000" dirty="0" err="1" smtClean="0"/>
-              <a:t>zhǐ</a:t>
-            </a:r>
-            <a:r>
-              <a:rPr lang="en-US" sz="2000" dirty="0" smtClean="0"/>
-              <a:t>    </a:t>
-            </a:r>
-            <a:r>
-              <a:rPr lang="en-US" sz="2000" dirty="0" err="1" smtClean="0"/>
-              <a:t>xǐ</a:t>
-            </a:r>
-            <a:r>
-              <a:rPr lang="en-US" sz="2000" dirty="0" smtClean="0"/>
-              <a:t>  </a:t>
-            </a:r>
-            <a:r>
-              <a:rPr lang="en-US" sz="2000" dirty="0" err="1" smtClean="0"/>
-              <a:t>huān</a:t>
-            </a:r>
-            <a:r>
-              <a:rPr lang="en-US" sz="2000" dirty="0" smtClean="0"/>
-              <a:t> </a:t>
-            </a:r>
-            <a:r>
-              <a:rPr lang="en-US" sz="2000" dirty="0" err="1" smtClean="0"/>
-              <a:t>zhēn</a:t>
-            </a:r>
-            <a:r>
-              <a:rPr lang="en-US" sz="2000" dirty="0" smtClean="0"/>
-              <a:t>  </a:t>
-            </a:r>
-            <a:r>
-              <a:rPr lang="en-US" sz="2000" dirty="0" err="1" smtClean="0"/>
-              <a:t>lǐ</a:t>
-            </a:r>
             <a:endParaRPr lang="en-US" sz="2000" b="1" dirty="0">
               <a:effectLst>
                 <a:outerShdw blurRad="38100" dist="38100" dir="2700000" algn="tl">
@@ -5556,7 +5026,7 @@
     </p:spTree>
     <p:extLst>
       <p:ext uri="{BB962C8B-B14F-4D97-AF65-F5344CB8AC3E}">
-        <p14:creationId xmlns="" xmlns:p14="http://schemas.microsoft.com/office/powerpoint/2010/main" val="292572419"/>
+        <p14:creationId xmlns:p14="http://schemas.microsoft.com/office/powerpoint/2010/main" xmlns="" val="292572419"/>
       </p:ext>
     </p:extLst>
   </p:cSld>
@@ -5623,7 +5093,7 @@
           <a:blip r:embed="rId2">
             <a:extLst>
               <a:ext uri="{28A0092B-C50C-407E-A947-70E740481C1C}">
-                <a14:useLocalDpi xmlns="" xmlns:a14="http://schemas.microsoft.com/office/drawing/2010/main" val="0"/>
+                <a14:useLocalDpi xmlns:a14="http://schemas.microsoft.com/office/drawing/2010/main" xmlns="" val="0"/>
               </a:ext>
             </a:extLst>
           </a:blip>
@@ -5687,34 +5157,6 @@
               <a:rPr lang="en-US" sz="2000" dirty="0" smtClean="0"/>
               <a:t> </a:t>
             </a:r>
-            <a:r>
-              <a:rPr lang="en-US" sz="2000" dirty="0" err="1" smtClean="0"/>
-              <a:t>fán</a:t>
-            </a:r>
-            <a:r>
-              <a:rPr lang="en-US" sz="2000" dirty="0" smtClean="0"/>
-              <a:t>   </a:t>
-            </a:r>
-            <a:r>
-              <a:rPr lang="en-US" sz="2000" dirty="0" err="1" smtClean="0"/>
-              <a:t>shì</a:t>
-            </a:r>
-            <a:r>
-              <a:rPr lang="en-US" sz="2000" dirty="0" smtClean="0"/>
-              <a:t>  </a:t>
-            </a:r>
-            <a:r>
-              <a:rPr lang="en-US" sz="2000" dirty="0" err="1" smtClean="0"/>
-              <a:t>bāo</a:t>
-            </a:r>
-            <a:r>
-              <a:rPr lang="en-US" sz="2000" dirty="0" smtClean="0"/>
-              <a:t> </a:t>
-            </a:r>
-            <a:r>
-              <a:rPr lang="en-US" sz="2000" dirty="0" err="1" smtClean="0"/>
-              <a:t>róng</a:t>
-            </a:r>
             <a:endParaRPr lang="zh-TW" altLang="en-US" sz="2000" b="1" dirty="0" smtClean="0">
               <a:effectLst>
                 <a:outerShdw blurRad="38100" dist="38100" dir="2700000" algn="tl">
@@ -5753,34 +5195,6 @@
               <a:rPr lang="en-US" sz="2000" dirty="0" smtClean="0"/>
               <a:t> </a:t>
             </a:r>
-            <a:r>
-              <a:rPr lang="en-US" sz="2000" dirty="0" err="1" smtClean="0"/>
-              <a:t>fán</a:t>
-            </a:r>
-            <a:r>
-              <a:rPr lang="en-US" sz="2000" dirty="0" smtClean="0"/>
-              <a:t>  </a:t>
-            </a:r>
-            <a:r>
-              <a:rPr lang="en-US" sz="2000" dirty="0" err="1" smtClean="0"/>
-              <a:t>shì</a:t>
-            </a:r>
-            <a:r>
-              <a:rPr lang="en-US" sz="2000" dirty="0" smtClean="0"/>
-              <a:t>  </a:t>
-            </a:r>
-            <a:r>
-              <a:rPr lang="en-US" sz="2000" dirty="0" err="1" smtClean="0"/>
-              <a:t>xiāng</a:t>
-            </a:r>
-            <a:r>
-              <a:rPr lang="en-US" sz="2000" dirty="0" smtClean="0"/>
-              <a:t> </a:t>
-            </a:r>
-            <a:r>
-              <a:rPr lang="en-US" sz="2000" dirty="0" err="1" smtClean="0"/>
-              <a:t>xìn</a:t>
-            </a:r>
             <a:endParaRPr lang="zh-TW" altLang="en-US" sz="2000" b="1" dirty="0" smtClean="0">
               <a:effectLst>
                 <a:outerShdw blurRad="38100" dist="38100" dir="2700000" algn="tl">
@@ -5819,70 +5233,6 @@
               <a:rPr lang="en-US" sz="2000" dirty="0" smtClean="0"/>
               <a:t> </a:t>
             </a:r>
-            <a:r>
-              <a:rPr lang="en-US" altLang="zh-CN" sz="2000" dirty="0" err="1" smtClean="0"/>
-              <a:t>f</a:t>
-            </a:r>
-            <a:r>
-              <a:rPr lang="en-US" sz="2000" dirty="0" err="1" smtClean="0"/>
-              <a:t>án</a:t>
-            </a:r>
-            <a:r>
-              <a:rPr lang="en-US" sz="2000" dirty="0" smtClean="0"/>
-              <a:t>  </a:t>
-            </a:r>
-            <a:r>
-              <a:rPr lang="en-US" sz="2000" dirty="0" err="1" smtClean="0"/>
-              <a:t>shì</a:t>
-            </a:r>
-            <a:r>
-              <a:rPr lang="en-US" sz="2000" dirty="0" smtClean="0"/>
-              <a:t>   </a:t>
-            </a:r>
-            <a:r>
-              <a:rPr lang="en-US" sz="2000" dirty="0" err="1" smtClean="0"/>
-              <a:t>pàn</a:t>
-            </a:r>
-            <a:r>
-              <a:rPr lang="en-US" sz="2000" dirty="0" smtClean="0"/>
-              <a:t> </a:t>
-            </a:r>
-            <a:r>
-              <a:rPr lang="en-US" sz="2000" dirty="0" err="1" smtClean="0"/>
-              <a:t>wàng</a:t>
-            </a:r>
-            <a:r>
-              <a:rPr lang="en-US" sz="2000" dirty="0" smtClean="0"/>
-              <a:t>  </a:t>
-            </a:r>
-            <a:r>
-              <a:rPr lang="en-US" sz="2000" dirty="0" err="1" smtClean="0"/>
-              <a:t>fán</a:t>
-            </a:r>
-            <a:r>
-              <a:rPr lang="en-US" sz="2000" dirty="0" smtClean="0"/>
-              <a:t>   </a:t>
-            </a:r>
-            <a:r>
-              <a:rPr lang="en-US" sz="2000" dirty="0" err="1" smtClean="0"/>
-              <a:t>shì</a:t>
-            </a:r>
-            <a:r>
-              <a:rPr lang="en-US" sz="2000" dirty="0" smtClean="0"/>
-              <a:t>  </a:t>
-            </a:r>
-            <a:r>
-              <a:rPr lang="en-US" sz="2000" dirty="0" err="1" smtClean="0"/>
-              <a:t>rěn</a:t>
-            </a:r>
-            <a:r>
-              <a:rPr lang="en-US" sz="2000" dirty="0" smtClean="0"/>
-              <a:t>   </a:t>
-            </a:r>
-            <a:r>
-              <a:rPr lang="en-US" sz="2000" dirty="0" err="1" smtClean="0"/>
-              <a:t>nài</a:t>
-            </a:r>
             <a:endParaRPr lang="zh-TW" altLang="en-US" sz="2000" b="1" dirty="0" smtClean="0">
               <a:effectLst>
                 <a:outerShdw blurRad="38100" dist="38100" dir="2700000" algn="tl">
@@ -5921,54 +5271,6 @@
               <a:rPr lang="en-US" sz="2000" dirty="0" smtClean="0"/>
               <a:t> </a:t>
             </a:r>
-            <a:r>
-              <a:rPr lang="en-US" sz="2000" dirty="0" err="1" smtClean="0"/>
-              <a:t>ài</a:t>
-            </a:r>
-            <a:r>
-              <a:rPr lang="en-US" sz="2000" dirty="0" smtClean="0"/>
-              <a:t>     </a:t>
-            </a:r>
-            <a:r>
-              <a:rPr lang="en-US" sz="2000" dirty="0" err="1" smtClean="0"/>
-              <a:t>shì</a:t>
-            </a:r>
-            <a:r>
-              <a:rPr lang="en-US" sz="2000" dirty="0" smtClean="0"/>
-              <a:t>  </a:t>
-            </a:r>
-            <a:r>
-              <a:rPr lang="en-US" sz="2000" dirty="0" err="1" smtClean="0"/>
-              <a:t>yǒng</a:t>
-            </a:r>
-            <a:r>
-              <a:rPr lang="en-US" sz="2000" dirty="0" smtClean="0"/>
-              <a:t> </a:t>
-            </a:r>
-            <a:r>
-              <a:rPr lang="en-US" sz="2000" dirty="0" err="1"/>
-              <a:t>bù</a:t>
-            </a:r>
-            <a:r>
-              <a:rPr lang="en-US" sz="2000" dirty="0"/>
-              <a:t> </a:t>
-            </a:r>
-            <a:r>
-              <a:rPr lang="en-US" sz="2000" dirty="0" smtClean="0"/>
-              <a:t>  </a:t>
-            </a:r>
-            <a:r>
-              <a:rPr lang="en-US" sz="2000" dirty="0" err="1" smtClean="0"/>
-              <a:t>zhǐ</a:t>
-            </a:r>
-            <a:r>
-              <a:rPr lang="en-US" sz="2000" dirty="0" smtClean="0"/>
-              <a:t>    </a:t>
-            </a:r>
-            <a:r>
-              <a:rPr lang="en-US" sz="2000" dirty="0" err="1" smtClean="0"/>
-              <a:t>xī</a:t>
-            </a:r>
             <a:endParaRPr lang="en-US" sz="2000" b="1" dirty="0">
               <a:effectLst>
                 <a:outerShdw blurRad="38100" dist="38100" dir="2700000" algn="tl">
@@ -5984,7 +5286,7 @@
     </p:spTree>
     <p:extLst>
       <p:ext uri="{BB962C8B-B14F-4D97-AF65-F5344CB8AC3E}">
-        <p14:creationId xmlns="" xmlns:p14="http://schemas.microsoft.com/office/powerpoint/2010/main" val="1529789028"/>
+        <p14:creationId xmlns:p14="http://schemas.microsoft.com/office/powerpoint/2010/main" xmlns="" val="1529789028"/>
       </p:ext>
     </p:extLst>
   </p:cSld>
@@ -6051,7 +5353,7 @@
           <a:blip r:embed="rId2">
             <a:extLst>
               <a:ext uri="{28A0092B-C50C-407E-A947-70E740481C1C}">
-                <a14:useLocalDpi xmlns="" xmlns:a14="http://schemas.microsoft.com/office/drawing/2010/main" val="0"/>
+                <a14:useLocalDpi xmlns:a14="http://schemas.microsoft.com/office/drawing/2010/main" xmlns="" val="0"/>
               </a:ext>
             </a:extLst>
           </a:blip>
@@ -6075,7 +5377,7 @@
         <p:spPr>
           <a:xfrm>
             <a:off x="4646141" y="1228397"/>
-            <a:ext cx="6318421" cy="4401205"/>
+            <a:ext cx="6318421" cy="4462760"/>
           </a:xfrm>
           <a:prstGeom prst="rect">
             <a:avLst/>
@@ -6128,34 +5430,6 @@
               <a:t> </a:t>
             </a:r>
             <a:r>
-              <a:rPr lang="en-US" sz="2000" dirty="0" err="1" smtClean="0"/>
-              <a:t>wǒ</a:t>
-            </a:r>
-            <a:r>
-              <a:rPr lang="en-US" sz="2000" dirty="0" smtClean="0"/>
-              <a:t>  </a:t>
-            </a:r>
-            <a:r>
-              <a:rPr lang="en-US" sz="2000" dirty="0" err="1" smtClean="0"/>
-              <a:t>yào</a:t>
-            </a:r>
-            <a:r>
-              <a:rPr lang="en-US" sz="2000" dirty="0" smtClean="0"/>
-              <a:t>  </a:t>
-            </a:r>
-            <a:r>
-              <a:rPr lang="en-US" sz="2000" dirty="0" err="1" smtClean="0"/>
-              <a:t>bāo</a:t>
-            </a:r>
-            <a:r>
-              <a:rPr lang="en-US" sz="2000" dirty="0" smtClean="0"/>
-              <a:t> </a:t>
-            </a:r>
-            <a:r>
-              <a:rPr lang="en-US" sz="2000" dirty="0" err="1" smtClean="0"/>
-              <a:t>róng</a:t>
-            </a:r>
-            <a:r>
               <a:rPr lang="zh-TW" altLang="en-US" sz="3600" b="1" dirty="0" smtClean="0">
                 <a:effectLst>
                   <a:outerShdw blurRad="38100" dist="38100" dir="2700000" algn="tl">
@@ -6218,34 +5492,6 @@
               <a:t> </a:t>
             </a:r>
             <a:r>
-              <a:rPr lang="en-US" sz="2000" dirty="0" err="1" smtClean="0"/>
-              <a:t>wǒ</a:t>
-            </a:r>
-            <a:r>
-              <a:rPr lang="en-US" sz="2000" dirty="0" smtClean="0"/>
-              <a:t>  </a:t>
-            </a:r>
-            <a:r>
-              <a:rPr lang="en-US" sz="2000" dirty="0" err="1" smtClean="0"/>
-              <a:t>yào</a:t>
-            </a:r>
-            <a:r>
-              <a:rPr lang="en-US" sz="2000" dirty="0" smtClean="0"/>
-              <a:t> </a:t>
-            </a:r>
-            <a:r>
-              <a:rPr lang="en-US" sz="2000" dirty="0" err="1" smtClean="0"/>
-              <a:t>xiāng</a:t>
-            </a:r>
-            <a:r>
-              <a:rPr lang="en-US" sz="2000" dirty="0" smtClean="0"/>
-              <a:t> </a:t>
-            </a:r>
-            <a:r>
-              <a:rPr lang="en-US" sz="2000" dirty="0" err="1" smtClean="0"/>
-              <a:t>xìn</a:t>
-            </a:r>
-            <a:r>
               <a:rPr lang="zh-TW" altLang="en-US" sz="3600" b="1" dirty="0" smtClean="0">
                 <a:effectLst>
                   <a:outerShdw blurRad="38100" dist="38100" dir="2700000" algn="tl">
@@ -6332,66 +5578,6 @@
               <a:t> </a:t>
             </a:r>
             <a:r>
-              <a:rPr lang="en-US" sz="2000" dirty="0" err="1" smtClean="0"/>
-              <a:t>wǒ</a:t>
-            </a:r>
-            <a:r>
-              <a:rPr lang="en-US" sz="2000" dirty="0" smtClean="0"/>
-              <a:t>  </a:t>
-            </a:r>
-            <a:r>
-              <a:rPr lang="en-US" sz="2000" dirty="0" err="1" smtClean="0"/>
-              <a:t>yào</a:t>
-            </a:r>
-            <a:r>
-              <a:rPr lang="en-US" sz="2000" dirty="0" smtClean="0"/>
-              <a:t> </a:t>
-            </a:r>
-            <a:r>
-              <a:rPr lang="en-US" sz="2000" dirty="0" err="1" smtClean="0"/>
-              <a:t>pàn</a:t>
-            </a:r>
-            <a:r>
-              <a:rPr lang="en-US" sz="2000" dirty="0" smtClean="0"/>
-              <a:t>  </a:t>
-            </a:r>
-            <a:r>
-              <a:rPr lang="en-US" sz="2000" dirty="0" err="1" smtClean="0"/>
-              <a:t>wàng</a:t>
-            </a:r>
-            <a:r>
-              <a:rPr lang="en-US" sz="2000" dirty="0" smtClean="0"/>
-              <a:t>  </a:t>
-            </a:r>
-            <a:r>
-              <a:rPr lang="en-US" sz="2000" dirty="0" err="1" smtClean="0"/>
-              <a:t>wǒ</a:t>
-            </a:r>
-            <a:r>
-              <a:rPr lang="en-US" sz="2000" dirty="0" smtClean="0"/>
-              <a:t>   </a:t>
-            </a:r>
-            <a:r>
-              <a:rPr lang="en-US" sz="2000" dirty="0" err="1" smtClean="0"/>
-              <a:t>yào</a:t>
-            </a:r>
-            <a:r>
-              <a:rPr lang="en-US" sz="2000" dirty="0" smtClean="0"/>
-              <a:t> </a:t>
-            </a:r>
-            <a:r>
-              <a:rPr lang="en-US" sz="2000" dirty="0" err="1" smtClean="0"/>
-              <a:t>rěn</a:t>
-            </a:r>
-            <a:r>
-              <a:rPr lang="en-US" sz="2000" dirty="0" smtClean="0"/>
-              <a:t>  </a:t>
-            </a:r>
-            <a:r>
-              <a:rPr lang="en-US" sz="2000" dirty="0" err="1" smtClean="0"/>
-              <a:t>nài</a:t>
-            </a:r>
-            <a:r>
               <a:rPr lang="zh-TW" altLang="en-US" sz="2000" b="1" dirty="0" smtClean="0">
                 <a:effectLst>
                   <a:outerShdw blurRad="38100" dist="38100" dir="2700000" algn="tl">
@@ -6450,59 +5636,7 @@
           </a:p>
           <a:p>
             <a:r>
-              <a:rPr lang="en-US" sz="2000" dirty="0" err="1" smtClean="0"/>
-              <a:t>Chǎng</a:t>
-            </a:r>
-            <a:r>
-              <a:rPr lang="en-US" sz="2000" dirty="0" smtClean="0"/>
-              <a:t> </a:t>
-            </a:r>
-            <a:r>
-              <a:rPr lang="en-US" sz="2000" dirty="0" err="1" smtClean="0"/>
-              <a:t>kāi</a:t>
-            </a:r>
-            <a:r>
-              <a:rPr lang="en-US" sz="2000" dirty="0" smtClean="0"/>
-              <a:t> </a:t>
-            </a:r>
-            <a:r>
-              <a:rPr lang="en-US" sz="2000" dirty="0" err="1" smtClean="0"/>
-              <a:t>xīn</a:t>
-            </a:r>
-            <a:r>
-              <a:rPr lang="en-US" sz="2000" dirty="0" smtClean="0"/>
-              <a:t>      </a:t>
-            </a:r>
-            <a:r>
-              <a:rPr lang="en-US" sz="2000" dirty="0" err="1" smtClean="0"/>
-              <a:t>ài</a:t>
-            </a:r>
-            <a:r>
-              <a:rPr lang="en-US" sz="2000" dirty="0" smtClean="0"/>
-              <a:t>    </a:t>
-            </a:r>
-            <a:r>
-              <a:rPr lang="en-US" sz="2000" dirty="0" err="1" smtClean="0"/>
-              <a:t>rén</a:t>
-            </a:r>
-            <a:r>
-              <a:rPr lang="en-US" sz="2000" dirty="0" smtClean="0"/>
-              <a:t>   </a:t>
-            </a:r>
-            <a:r>
-              <a:rPr lang="en-US" sz="2000" dirty="0" err="1" smtClean="0"/>
-              <a:t>rú</a:t>
-            </a:r>
-            <a:r>
-              <a:rPr lang="en-US" sz="2000" dirty="0" smtClean="0"/>
-              <a:t>     </a:t>
-            </a:r>
-            <a:r>
-              <a:rPr lang="en-US" sz="2000" dirty="0" err="1"/>
-              <a:t>jǐ</a:t>
-            </a:r>
-            <a:r>
-              <a:rPr lang="zh-TW" altLang="en-US" sz="3600" b="1" dirty="0" smtClean="0">
+              <a:rPr lang="zh-TW" altLang="en-US" sz="2000" b="1" dirty="0" smtClean="0">
                 <a:effectLst>
                   <a:outerShdw blurRad="38100" dist="38100" dir="2700000" algn="tl">
                     <a:srgbClr val="000000">
@@ -6514,7 +5648,7 @@
               <a:t/>
             </a:r>
             <a:br>
-              <a:rPr lang="zh-TW" altLang="en-US" sz="3600" b="1" dirty="0" smtClean="0">
+              <a:rPr lang="zh-TW" altLang="en-US" sz="2000" b="1" dirty="0" smtClean="0">
                 <a:effectLst>
                   <a:outerShdw blurRad="38100" dist="38100" dir="2700000" algn="tl">
                     <a:srgbClr val="000000">
@@ -6587,66 +5721,6 @@
               <a:rPr lang="en-US" sz="2000" dirty="0" smtClean="0"/>
               <a:t> </a:t>
             </a:r>
-            <a:r>
-              <a:rPr lang="en-US" sz="2000" dirty="0" err="1" smtClean="0"/>
-              <a:t>wǒ</a:t>
-            </a:r>
-            <a:r>
-              <a:rPr lang="en-US" sz="2000" dirty="0" smtClean="0"/>
-              <a:t>   </a:t>
-            </a:r>
-            <a:r>
-              <a:rPr lang="en-US" sz="2000" dirty="0" err="1" smtClean="0"/>
-              <a:t>ài</a:t>
-            </a:r>
-            <a:r>
-              <a:rPr lang="en-US" sz="2000" dirty="0" smtClean="0"/>
-              <a:t>        </a:t>
-            </a:r>
-            <a:r>
-              <a:rPr lang="en-US" sz="2000" dirty="0" err="1" smtClean="0"/>
-              <a:t>yīn</a:t>
-            </a:r>
-            <a:r>
-              <a:rPr lang="en-US" sz="2000" dirty="0" smtClean="0"/>
-              <a:t>  </a:t>
-            </a:r>
-            <a:r>
-              <a:rPr lang="en-US" sz="2000" dirty="0" err="1" smtClean="0"/>
-              <a:t>tiān</a:t>
-            </a:r>
-            <a:r>
-              <a:rPr lang="en-US" sz="2000" dirty="0" smtClean="0"/>
-              <a:t>   </a:t>
-            </a:r>
-            <a:r>
-              <a:rPr lang="en-US" sz="2000" dirty="0" err="1" smtClean="0"/>
-              <a:t>fù</a:t>
-            </a:r>
-            <a:r>
-              <a:rPr lang="en-US" sz="2000" dirty="0" smtClean="0"/>
-              <a:t>  </a:t>
-            </a:r>
-            <a:r>
-              <a:rPr lang="en-US" sz="2000" dirty="0" err="1" smtClean="0"/>
-              <a:t>xiān</a:t>
-            </a:r>
-            <a:r>
-              <a:rPr lang="en-US" sz="2000" dirty="0" smtClean="0"/>
-              <a:t>   </a:t>
-            </a:r>
-            <a:r>
-              <a:rPr lang="en-US" sz="2000" dirty="0" err="1" smtClean="0"/>
-              <a:t>ài</a:t>
-            </a:r>
-            <a:r>
-              <a:rPr lang="en-US" sz="2000" dirty="0" smtClean="0"/>
-              <a:t>    </a:t>
-            </a:r>
-            <a:r>
-              <a:rPr lang="en-US" sz="2000" dirty="0" err="1"/>
-              <a:t>wǒ</a:t>
-            </a:r>
             <a:endParaRPr lang="en-US" sz="2000" b="1" dirty="0">
               <a:effectLst>
                 <a:outerShdw blurRad="38100" dist="38100" dir="2700000" algn="tl">
@@ -6662,7 +5736,7 @@
     </p:spTree>
     <p:extLst>
       <p:ext uri="{BB962C8B-B14F-4D97-AF65-F5344CB8AC3E}">
-        <p14:creationId xmlns="" xmlns:p14="http://schemas.microsoft.com/office/powerpoint/2010/main" val="3107665998"/>
+        <p14:creationId xmlns:p14="http://schemas.microsoft.com/office/powerpoint/2010/main" xmlns="" val="3107665998"/>
       </p:ext>
     </p:extLst>
   </p:cSld>
@@ -6934,7 +6008,7 @@
   <a:extraClrSchemeLst/>
   <a:extLst>
     <a:ext uri="{05A4C25C-085E-4340-85A3-A5531E510DB2}">
-      <thm15:themeFamily xmlns="" xmlns:thm15="http://schemas.microsoft.com/office/thememl/2012/main" name="Office Theme" id="{62F939B6-93AF-4DB8-9C6B-D6C7DFDC589F}" vid="{4A3C46E8-61CC-4603-A589-7422A47A8E4A}"/>
+      <thm15:themeFamily xmlns:thm15="http://schemas.microsoft.com/office/thememl/2012/main" xmlns="" name="Office Theme" id="{62F939B6-93AF-4DB8-9C6B-D6C7DFDC589F}" vid="{4A3C46E8-61CC-4603-A589-7422A47A8E4A}"/>
     </a:ext>
   </a:extLst>
 </a:theme>
